--- a/s5_outils_numeriques/b1_outils_numeriques/seance2_equation_diff/B1_4_0_CircuitRC.pptx
+++ b/s5_outils_numeriques/b1_outils_numeriques/seance2_equation_diff/B1_4_0_CircuitRC.pptx
@@ -5,7 +5,7 @@
     <p:sldMasterId id="2147483711" r:id="rId1"/>
   </p:sldMasterIdLst>
   <p:notesMasterIdLst>
-    <p:notesMasterId r:id="rId8"/>
+    <p:notesMasterId r:id="rId11"/>
   </p:notesMasterIdLst>
   <p:sldIdLst>
     <p:sldId id="256" r:id="rId2"/>
@@ -14,6 +14,9 @@
     <p:sldId id="259" r:id="rId5"/>
     <p:sldId id="260" r:id="rId6"/>
     <p:sldId id="275" r:id="rId7"/>
+    <p:sldId id="291" r:id="rId8"/>
+    <p:sldId id="292" r:id="rId9"/>
+    <p:sldId id="287" r:id="rId10"/>
   </p:sldIdLst>
   <p:sldSz cx="12192000" cy="6858000"/>
   <p:notesSz cx="6858000" cy="9144000"/>
@@ -202,7 +205,7 @@
           <a:p>
             <a:fld id="{95F60532-AC81-4152-B45E-E054A978F780}" type="datetimeFigureOut">
               <a:rPr lang="fr-FR" smtClean="0"/>
-              <a:t>19/04/2023</a:t>
+              <a:t>20/04/2023</a:t>
             </a:fld>
             <a:endParaRPr lang="fr-FR"/>
           </a:p>
@@ -469,6 +472,90 @@
 </p:notesMaster>
 </file>
 
+<file path=ppt/notesSlides/notesSlide1.xml><?xml version="1.0" encoding="utf-8"?>
+<p:notes xmlns:a="http://schemas.openxmlformats.org/drawingml/2006/main" xmlns:r="http://schemas.openxmlformats.org/officeDocument/2006/relationships" xmlns:p="http://schemas.openxmlformats.org/presentationml/2006/main">
+  <p:cSld>
+    <p:spTree>
+      <p:nvGrpSpPr>
+        <p:cNvPr id="1" name=""/>
+        <p:cNvGrpSpPr/>
+        <p:nvPr/>
+      </p:nvGrpSpPr>
+      <p:grpSpPr>
+        <a:xfrm>
+          <a:off x="0" y="0"/>
+          <a:ext cx="0" cy="0"/>
+          <a:chOff x="0" y="0"/>
+          <a:chExt cx="0" cy="0"/>
+        </a:xfrm>
+      </p:grpSpPr>
+      <p:sp>
+        <p:nvSpPr>
+          <p:cNvPr id="2" name="Espace réservé de l'image des diapositives 1"/>
+          <p:cNvSpPr>
+            <a:spLocks noGrp="1" noRot="1" noChangeAspect="1"/>
+          </p:cNvSpPr>
+          <p:nvPr>
+            <p:ph type="sldImg"/>
+          </p:nvPr>
+        </p:nvSpPr>
+        <p:spPr/>
+      </p:sp>
+      <p:sp>
+        <p:nvSpPr>
+          <p:cNvPr id="3" name="Espace réservé des notes 2"/>
+          <p:cNvSpPr>
+            <a:spLocks noGrp="1"/>
+          </p:cNvSpPr>
+          <p:nvPr>
+            <p:ph type="body" idx="1"/>
+          </p:nvPr>
+        </p:nvSpPr>
+        <p:spPr/>
+        <p:txBody>
+          <a:bodyPr/>
+          <a:lstStyle/>
+          <a:p>
+            <a:endParaRPr lang="fr-FR" dirty="0"/>
+          </a:p>
+        </p:txBody>
+      </p:sp>
+      <p:sp>
+        <p:nvSpPr>
+          <p:cNvPr id="4" name="Espace réservé du numéro de diapositive 3"/>
+          <p:cNvSpPr>
+            <a:spLocks noGrp="1"/>
+          </p:cNvSpPr>
+          <p:nvPr>
+            <p:ph type="sldNum" sz="quarter" idx="5"/>
+          </p:nvPr>
+        </p:nvSpPr>
+        <p:spPr/>
+        <p:txBody>
+          <a:bodyPr/>
+          <a:lstStyle/>
+          <a:p>
+            <a:fld id="{ED1A4448-0F40-450F-9A3E-C9B9A6927FAC}" type="slidenum">
+              <a:rPr lang="fr-FR" smtClean="0"/>
+              <a:t>8</a:t>
+            </a:fld>
+            <a:endParaRPr lang="fr-FR"/>
+          </a:p>
+        </p:txBody>
+      </p:sp>
+    </p:spTree>
+    <p:extLst>
+      <p:ext uri="{BB962C8B-B14F-4D97-AF65-F5344CB8AC3E}">
+        <p14:creationId xmlns:p14="http://schemas.microsoft.com/office/powerpoint/2010/main" val="534602013"/>
+      </p:ext>
+    </p:extLst>
+  </p:cSld>
+  <p:clrMapOvr>
+    <a:masterClrMapping/>
+  </p:clrMapOvr>
+</p:notes>
+</file>
+
 <file path=ppt/slideLayouts/slideLayout1.xml><?xml version="1.0" encoding="utf-8"?>
 <p:sldLayout xmlns:a="http://schemas.openxmlformats.org/drawingml/2006/main" xmlns:r="http://schemas.openxmlformats.org/officeDocument/2006/relationships" xmlns:p="http://schemas.openxmlformats.org/presentationml/2006/main" type="title" preserve="1">
   <p:cSld name="Title Slide">
@@ -625,7 +712,7 @@
           <a:p>
             <a:fld id="{785B9D93-2D6F-4658-911E-89FF557AACEE}" type="datetime1">
               <a:rPr lang="en-US" smtClean="0"/>
-              <a:t>4/19/2023</a:t>
+              <a:t>4/20/2023</a:t>
             </a:fld>
             <a:endParaRPr lang="en-US" dirty="0"/>
           </a:p>
@@ -995,7 +1082,7 @@
           <a:p>
             <a:fld id="{4709A133-4251-46D0-8E1C-3DC2CCEEC594}" type="datetime1">
               <a:rPr lang="en-US" smtClean="0"/>
-              <a:t>4/19/2023</a:t>
+              <a:t>4/20/2023</a:t>
             </a:fld>
             <a:endParaRPr lang="en-US"/>
           </a:p>
@@ -1204,7 +1291,7 @@
           <a:p>
             <a:fld id="{757C9D7A-C246-41BC-AB36-CBBE03C4FC3D}" type="datetime1">
               <a:rPr lang="en-US" smtClean="0"/>
-              <a:t>4/19/2023</a:t>
+              <a:t>4/20/2023</a:t>
             </a:fld>
             <a:endParaRPr lang="en-US"/>
           </a:p>
@@ -1674,7 +1761,7 @@
           <a:p>
             <a:fld id="{DD23859D-5799-4C59-B29C-0D397C1B3B07}" type="datetime1">
               <a:rPr lang="en-US" smtClean="0"/>
-              <a:t>4/19/2023</a:t>
+              <a:t>4/20/2023</a:t>
             </a:fld>
             <a:endParaRPr lang="en-US"/>
           </a:p>
@@ -2128,7 +2215,7 @@
           <a:p>
             <a:fld id="{B36A9650-6794-4EE4-9500-0C43A7CB6B4A}" type="datetime1">
               <a:rPr lang="en-US" smtClean="0"/>
-              <a:t>4/19/2023</a:t>
+              <a:t>4/20/2023</a:t>
             </a:fld>
             <a:endParaRPr lang="en-US"/>
           </a:p>
@@ -2660,7 +2747,7 @@
           <a:p>
             <a:fld id="{1792256C-3121-4D72-8DFF-855B713C834E}" type="datetime1">
               <a:rPr lang="en-US" smtClean="0"/>
-              <a:t>4/19/2023</a:t>
+              <a:t>4/20/2023</a:t>
             </a:fld>
             <a:endParaRPr lang="en-US"/>
           </a:p>
@@ -3359,7 +3446,7 @@
           <a:p>
             <a:fld id="{580DF3A2-C727-46A5-9AC9-16B2E63C7D3A}" type="datetime1">
               <a:rPr lang="en-US" smtClean="0"/>
-              <a:t>4/19/2023</a:t>
+              <a:t>4/20/2023</a:t>
             </a:fld>
             <a:endParaRPr lang="en-US"/>
           </a:p>
@@ -3688,7 +3775,7 @@
           <a:p>
             <a:fld id="{9D23748C-796D-4F23-89AF-A2738DF446EE}" type="datetime1">
               <a:rPr lang="en-US" smtClean="0"/>
-              <a:t>4/19/2023</a:t>
+              <a:t>4/20/2023</a:t>
             </a:fld>
             <a:endParaRPr lang="en-US"/>
           </a:p>
@@ -3801,7 +3888,7 @@
           <a:p>
             <a:fld id="{B3AFB1A7-BA76-4344-B812-B8E53F62AA62}" type="datetime1">
               <a:rPr lang="en-US" smtClean="0"/>
-              <a:t>4/19/2023</a:t>
+              <a:t>4/20/2023</a:t>
             </a:fld>
             <a:endParaRPr lang="en-US"/>
           </a:p>
@@ -4296,7 +4383,7 @@
           <a:p>
             <a:fld id="{D2DB139E-AA5F-415E-A7EE-D6EE1B304D34}" type="datetime1">
               <a:rPr lang="en-US" smtClean="0"/>
-              <a:t>4/19/2023</a:t>
+              <a:t>4/20/2023</a:t>
             </a:fld>
             <a:endParaRPr lang="en-US" dirty="0"/>
           </a:p>
@@ -4773,7 +4860,7 @@
           <a:p>
             <a:fld id="{B0611B75-8EAE-4E82-AD4E-BC980BBD0DF6}" type="datetime1">
               <a:rPr lang="en-US" smtClean="0"/>
-              <a:t>4/19/2023</a:t>
+              <a:t>4/20/2023</a:t>
             </a:fld>
             <a:endParaRPr lang="en-US"/>
           </a:p>
@@ -5016,7 +5103,7 @@
           <a:p>
             <a:fld id="{5A39691B-EC2E-4EEE-9557-97A59C128178}" type="datetime1">
               <a:rPr lang="en-US" smtClean="0"/>
-              <a:t>4/19/2023</a:t>
+              <a:t>4/20/2023</a:t>
             </a:fld>
             <a:endParaRPr lang="en-US"/>
           </a:p>
@@ -7006,8 +7093,8 @@
           </p:sp>
         </mc:Fallback>
       </mc:AlternateContent>
-      <mc:AlternateContent xmlns:mc="http://schemas.openxmlformats.org/markup-compatibility/2006">
-        <mc:Choice xmlns:a14="http://schemas.microsoft.com/office/drawing/2010/main" Requires="a14">
+      <mc:AlternateContent xmlns:mc="http://schemas.openxmlformats.org/markup-compatibility/2006" xmlns:a14="http://schemas.microsoft.com/office/drawing/2010/main">
+        <mc:Choice Requires="a14">
           <p:sp>
             <p:nvSpPr>
               <p:cNvPr id="16" name="ZoneTexte 15">
@@ -7220,7 +7307,7 @@
             </p:txBody>
           </p:sp>
         </mc:Choice>
-        <mc:Fallback>
+        <mc:Fallback xmlns="">
           <p:sp>
             <p:nvSpPr>
               <p:cNvPr id="16" name="ZoneTexte 15">
@@ -7320,8 +7407,8 @@
           </a:p>
         </p:txBody>
       </p:sp>
-      <mc:AlternateContent xmlns:mc="http://schemas.openxmlformats.org/markup-compatibility/2006">
-        <mc:Choice xmlns:a14="http://schemas.microsoft.com/office/drawing/2010/main" Requires="a14">
+      <mc:AlternateContent xmlns:mc="http://schemas.openxmlformats.org/markup-compatibility/2006" xmlns:a14="http://schemas.microsoft.com/office/drawing/2010/main">
+        <mc:Choice Requires="a14">
           <p:sp>
             <p:nvSpPr>
               <p:cNvPr id="18" name="ZoneTexte 17">
@@ -7412,19 +7499,7 @@
                           </a:solidFill>
                           <a:latin typeface="Cambria Math" panose="02040503050406030204" pitchFamily="18" charset="0"/>
                         </a:rPr>
-                        <m:t>=</m:t>
-                      </m:r>
-                      <m:r>
-                        <a:rPr lang="fr-FR" sz="2400" b="1" i="1" smtClean="0">
-                          <a:solidFill>
-                            <a:schemeClr val="tx1">
-                              <a:lumMod val="75000"/>
-                              <a:lumOff val="25000"/>
-                            </a:schemeClr>
-                          </a:solidFill>
-                          <a:latin typeface="Cambria Math" panose="02040503050406030204" pitchFamily="18" charset="0"/>
-                        </a:rPr>
-                        <m:t>−</m:t>
+                        <m:t>=−</m:t>
                       </m:r>
                       <m:sSub>
                         <m:sSubPr>
@@ -7666,7 +7741,7 @@
             </p:txBody>
           </p:sp>
         </mc:Choice>
-        <mc:Fallback>
+        <mc:Fallback xmlns="">
           <p:sp>
             <p:nvSpPr>
               <p:cNvPr id="18" name="ZoneTexte 17">
@@ -8340,8 +8415,8 @@
           </a:p>
         </p:txBody>
       </p:sp>
-      <mc:AlternateContent xmlns:mc="http://schemas.openxmlformats.org/markup-compatibility/2006">
-        <mc:Choice xmlns:a14="http://schemas.microsoft.com/office/drawing/2010/main" Requires="a14">
+      <mc:AlternateContent xmlns:mc="http://schemas.openxmlformats.org/markup-compatibility/2006" xmlns:a14="http://schemas.microsoft.com/office/drawing/2010/main">
+        <mc:Choice Requires="a14">
           <p:sp>
             <p:nvSpPr>
               <p:cNvPr id="23" name="ZoneTexte 22">
@@ -8432,19 +8507,7 @@
                           </a:solidFill>
                           <a:latin typeface="Cambria Math" panose="02040503050406030204" pitchFamily="18" charset="0"/>
                         </a:rPr>
-                        <m:t>=</m:t>
-                      </m:r>
-                      <m:r>
-                        <a:rPr lang="fr-FR" sz="2400" b="1" i="1" smtClean="0">
-                          <a:solidFill>
-                            <a:schemeClr val="tx1">
-                              <a:lumMod val="75000"/>
-                              <a:lumOff val="25000"/>
-                            </a:schemeClr>
-                          </a:solidFill>
-                          <a:latin typeface="Cambria Math" panose="02040503050406030204" pitchFamily="18" charset="0"/>
-                        </a:rPr>
-                        <m:t>−</m:t>
+                        <m:t>=−</m:t>
                       </m:r>
                       <m:sSub>
                         <m:sSubPr>
@@ -8673,7 +8736,7 @@
             </p:txBody>
           </p:sp>
         </mc:Choice>
-        <mc:Fallback>
+        <mc:Fallback xmlns="">
           <p:sp>
             <p:nvSpPr>
               <p:cNvPr id="23" name="ZoneTexte 22">
@@ -9423,8 +9486,8 @@
           </a:p>
         </p:txBody>
       </p:sp>
-      <mc:AlternateContent xmlns:mc="http://schemas.openxmlformats.org/markup-compatibility/2006">
-        <mc:Choice xmlns:a14="http://schemas.microsoft.com/office/drawing/2010/main" Requires="a14">
+      <mc:AlternateContent xmlns:mc="http://schemas.openxmlformats.org/markup-compatibility/2006" xmlns:a14="http://schemas.microsoft.com/office/drawing/2010/main">
+        <mc:Choice Requires="a14">
           <p:sp>
             <p:nvSpPr>
               <p:cNvPr id="18" name="ZoneTexte 17">
@@ -9515,19 +9578,7 @@
                           </a:solidFill>
                           <a:latin typeface="Cambria Math" panose="02040503050406030204" pitchFamily="18" charset="0"/>
                         </a:rPr>
-                        <m:t>=</m:t>
-                      </m:r>
-                      <m:r>
-                        <a:rPr lang="fr-FR" sz="2400" b="1" i="1" smtClean="0">
-                          <a:solidFill>
-                            <a:schemeClr val="tx1">
-                              <a:lumMod val="75000"/>
-                              <a:lumOff val="25000"/>
-                            </a:schemeClr>
-                          </a:solidFill>
-                          <a:latin typeface="Cambria Math" panose="02040503050406030204" pitchFamily="18" charset="0"/>
-                        </a:rPr>
-                        <m:t>−</m:t>
+                        <m:t>=−</m:t>
                       </m:r>
                       <m:sSub>
                         <m:sSubPr>
@@ -9756,7 +9807,7 @@
             </p:txBody>
           </p:sp>
         </mc:Choice>
-        <mc:Fallback>
+        <mc:Fallback xmlns="">
           <p:sp>
             <p:nvSpPr>
               <p:cNvPr id="18" name="ZoneTexte 17">
@@ -11126,6 +11177,1490 @@
     <p:extLst>
       <p:ext uri="{BB962C8B-B14F-4D97-AF65-F5344CB8AC3E}">
         <p14:creationId xmlns:p14="http://schemas.microsoft.com/office/powerpoint/2010/main" val="1370173759"/>
+      </p:ext>
+    </p:extLst>
+  </p:cSld>
+  <p:clrMapOvr>
+    <a:masterClrMapping/>
+  </p:clrMapOvr>
+</p:sld>
+</file>
+
+<file path=ppt/slides/slide7.xml><?xml version="1.0" encoding="utf-8"?>
+<p:sld xmlns:a="http://schemas.openxmlformats.org/drawingml/2006/main" xmlns:r="http://schemas.openxmlformats.org/officeDocument/2006/relationships" xmlns:p="http://schemas.openxmlformats.org/presentationml/2006/main">
+  <p:cSld>
+    <p:spTree>
+      <p:nvGrpSpPr>
+        <p:cNvPr id="1" name=""/>
+        <p:cNvGrpSpPr/>
+        <p:nvPr/>
+      </p:nvGrpSpPr>
+      <p:grpSpPr>
+        <a:xfrm>
+          <a:off x="0" y="0"/>
+          <a:ext cx="0" cy="0"/>
+          <a:chOff x="0" y="0"/>
+          <a:chExt cx="0" cy="0"/>
+        </a:xfrm>
+      </p:grpSpPr>
+      <p:sp>
+        <p:nvSpPr>
+          <p:cNvPr id="2" name="Titre 1">
+            <a:extLst>
+              <a:ext uri="{FF2B5EF4-FFF2-40B4-BE49-F238E27FC236}">
+                <a16:creationId xmlns:a16="http://schemas.microsoft.com/office/drawing/2014/main" id="{90162AE8-C1B0-5C56-8313-DEE494F38273}"/>
+              </a:ext>
+            </a:extLst>
+          </p:cNvPr>
+          <p:cNvSpPr>
+            <a:spLocks noGrp="1"/>
+          </p:cNvSpPr>
+          <p:nvPr>
+            <p:ph type="title"/>
+          </p:nvPr>
+        </p:nvSpPr>
+        <p:spPr/>
+        <p:txBody>
+          <a:bodyPr>
+            <a:normAutofit/>
+          </a:bodyPr>
+          <a:lstStyle/>
+          <a:p>
+            <a:r>
+              <a:rPr lang="fr-FR" dirty="0"/>
+              <a:t>Circuits similaires / Ordre 1</a:t>
+            </a:r>
+          </a:p>
+        </p:txBody>
+      </p:sp>
+      <p:sp>
+        <p:nvSpPr>
+          <p:cNvPr id="3" name="Espace réservé du contenu 2">
+            <a:extLst>
+              <a:ext uri="{FF2B5EF4-FFF2-40B4-BE49-F238E27FC236}">
+                <a16:creationId xmlns:a16="http://schemas.microsoft.com/office/drawing/2014/main" id="{E0BBB9DE-019C-C741-F224-494739D4B752}"/>
+              </a:ext>
+            </a:extLst>
+          </p:cNvPr>
+          <p:cNvSpPr>
+            <a:spLocks noGrp="1"/>
+          </p:cNvSpPr>
+          <p:nvPr>
+            <p:ph sz="half" idx="1"/>
+          </p:nvPr>
+        </p:nvSpPr>
+        <p:spPr/>
+        <p:txBody>
+          <a:bodyPr/>
+          <a:lstStyle/>
+          <a:p>
+            <a:r>
+              <a:rPr lang="fr-FR" dirty="0"/>
+              <a:t>Réponse à un échelon</a:t>
+            </a:r>
+          </a:p>
+        </p:txBody>
+      </p:sp>
+      <p:pic>
+        <p:nvPicPr>
+          <p:cNvPr id="5" name="Image 4" descr="Une image contenant texte&#10;&#10;Description générée automatiquement">
+            <a:extLst>
+              <a:ext uri="{FF2B5EF4-FFF2-40B4-BE49-F238E27FC236}">
+                <a16:creationId xmlns:a16="http://schemas.microsoft.com/office/drawing/2014/main" id="{66D2630B-81F4-A4EB-21BA-8B90CF30BD92}"/>
+              </a:ext>
+            </a:extLst>
+          </p:cNvPr>
+          <p:cNvPicPr>
+            <a:picLocks noChangeAspect="1"/>
+          </p:cNvPicPr>
+          <p:nvPr/>
+        </p:nvPicPr>
+        <p:blipFill>
+          <a:blip r:embed="rId2">
+            <a:extLst>
+              <a:ext uri="{28A0092B-C50C-407E-A947-70E740481C1C}">
+                <a14:useLocalDpi xmlns:a14="http://schemas.microsoft.com/office/drawing/2010/main" val="0"/>
+              </a:ext>
+            </a:extLst>
+          </a:blip>
+          <a:stretch>
+            <a:fillRect/>
+          </a:stretch>
+        </p:blipFill>
+        <p:spPr>
+          <a:xfrm>
+            <a:off x="202922" y="5934456"/>
+            <a:ext cx="1825291" cy="749808"/>
+          </a:xfrm>
+          <a:prstGeom prst="rect">
+            <a:avLst/>
+          </a:prstGeom>
+        </p:spPr>
+      </p:pic>
+      <p:sp>
+        <p:nvSpPr>
+          <p:cNvPr id="4" name="Espace réservé du numéro de diapositive 3">
+            <a:extLst>
+              <a:ext uri="{FF2B5EF4-FFF2-40B4-BE49-F238E27FC236}">
+                <a16:creationId xmlns:a16="http://schemas.microsoft.com/office/drawing/2014/main" id="{F08CDEFC-50F0-4C47-46AC-D28A2807E4F8}"/>
+              </a:ext>
+            </a:extLst>
+          </p:cNvPr>
+          <p:cNvSpPr>
+            <a:spLocks noGrp="1"/>
+          </p:cNvSpPr>
+          <p:nvPr>
+            <p:ph type="sldNum" sz="quarter" idx="12"/>
+          </p:nvPr>
+        </p:nvSpPr>
+        <p:spPr/>
+        <p:txBody>
+          <a:bodyPr/>
+          <a:lstStyle/>
+          <a:p>
+            <a:fld id="{B2DC25EE-239B-4C5F-AAD1-255A7D5F1EE2}" type="slidenum">
+              <a:rPr lang="en-US" smtClean="0"/>
+              <a:t>7</a:t>
+            </a:fld>
+            <a:endParaRPr lang="en-US"/>
+          </a:p>
+        </p:txBody>
+      </p:sp>
+      <p:sp>
+        <p:nvSpPr>
+          <p:cNvPr id="11" name="Espace réservé du contenu 2">
+            <a:extLst>
+              <a:ext uri="{FF2B5EF4-FFF2-40B4-BE49-F238E27FC236}">
+                <a16:creationId xmlns:a16="http://schemas.microsoft.com/office/drawing/2014/main" id="{805FB42D-8692-6900-EC26-335B1FD7D5EB}"/>
+              </a:ext>
+            </a:extLst>
+          </p:cNvPr>
+          <p:cNvSpPr txBox="1">
+            <a:spLocks/>
+          </p:cNvSpPr>
+          <p:nvPr/>
+        </p:nvSpPr>
+        <p:spPr>
+          <a:xfrm>
+            <a:off x="6500779" y="2478024"/>
+            <a:ext cx="4937760" cy="3694176"/>
+          </a:xfrm>
+          <a:prstGeom prst="rect">
+            <a:avLst/>
+          </a:prstGeom>
+        </p:spPr>
+        <p:txBody>
+          <a:bodyPr vert="horz" lIns="91440" tIns="45720" rIns="91440" bIns="45720" rtlCol="0">
+            <a:normAutofit/>
+          </a:bodyPr>
+          <a:lstStyle>
+            <a:lvl1pPr marL="228600" indent="-228600" algn="l" defTabSz="914400" rtl="0" eaLnBrk="1" latinLnBrk="0" hangingPunct="1">
+              <a:lnSpc>
+                <a:spcPct val="110000"/>
+              </a:lnSpc>
+              <a:spcBef>
+                <a:spcPts val="1000"/>
+              </a:spcBef>
+              <a:buFont typeface="Arial" panose="020B0604020202020204" pitchFamily="34" charset="0"/>
+              <a:buChar char="•"/>
+              <a:defRPr sz="2800" kern="1200">
+                <a:solidFill>
+                  <a:schemeClr val="tx1"/>
+                </a:solidFill>
+                <a:latin typeface="+mn-lt"/>
+                <a:ea typeface="+mn-ea"/>
+                <a:cs typeface="+mn-cs"/>
+              </a:defRPr>
+            </a:lvl1pPr>
+            <a:lvl2pPr marL="685800" indent="-228600" algn="l" defTabSz="914400" rtl="0" eaLnBrk="1" latinLnBrk="0" hangingPunct="1">
+              <a:lnSpc>
+                <a:spcPct val="110000"/>
+              </a:lnSpc>
+              <a:spcBef>
+                <a:spcPts val="500"/>
+              </a:spcBef>
+              <a:buFont typeface="Arial" panose="020B0604020202020204" pitchFamily="34" charset="0"/>
+              <a:buChar char="•"/>
+              <a:defRPr sz="2400" kern="1200">
+                <a:solidFill>
+                  <a:schemeClr val="tx1"/>
+                </a:solidFill>
+                <a:latin typeface="+mn-lt"/>
+                <a:ea typeface="+mn-ea"/>
+                <a:cs typeface="+mn-cs"/>
+              </a:defRPr>
+            </a:lvl2pPr>
+            <a:lvl3pPr marL="1143000" indent="-228600" algn="l" defTabSz="914400" rtl="0" eaLnBrk="1" latinLnBrk="0" hangingPunct="1">
+              <a:lnSpc>
+                <a:spcPct val="110000"/>
+              </a:lnSpc>
+              <a:spcBef>
+                <a:spcPts val="500"/>
+              </a:spcBef>
+              <a:buFont typeface="Arial" panose="020B0604020202020204" pitchFamily="34" charset="0"/>
+              <a:buChar char="•"/>
+              <a:defRPr sz="2000" kern="1200">
+                <a:solidFill>
+                  <a:schemeClr val="tx1"/>
+                </a:solidFill>
+                <a:latin typeface="+mn-lt"/>
+                <a:ea typeface="+mn-ea"/>
+                <a:cs typeface="+mn-cs"/>
+              </a:defRPr>
+            </a:lvl3pPr>
+            <a:lvl4pPr marL="1600200" indent="-228600" algn="l" defTabSz="914400" rtl="0" eaLnBrk="1" latinLnBrk="0" hangingPunct="1">
+              <a:lnSpc>
+                <a:spcPct val="110000"/>
+              </a:lnSpc>
+              <a:spcBef>
+                <a:spcPts val="500"/>
+              </a:spcBef>
+              <a:buFont typeface="Arial" panose="020B0604020202020204" pitchFamily="34" charset="0"/>
+              <a:buChar char="•"/>
+              <a:defRPr sz="1800" kern="1200">
+                <a:solidFill>
+                  <a:schemeClr val="tx1"/>
+                </a:solidFill>
+                <a:latin typeface="+mn-lt"/>
+                <a:ea typeface="+mn-ea"/>
+                <a:cs typeface="+mn-cs"/>
+              </a:defRPr>
+            </a:lvl4pPr>
+            <a:lvl5pPr marL="2057400" indent="-228600" algn="l" defTabSz="914400" rtl="0" eaLnBrk="1" latinLnBrk="0" hangingPunct="1">
+              <a:lnSpc>
+                <a:spcPct val="110000"/>
+              </a:lnSpc>
+              <a:spcBef>
+                <a:spcPts val="500"/>
+              </a:spcBef>
+              <a:buFont typeface="Arial" panose="020B0604020202020204" pitchFamily="34" charset="0"/>
+              <a:buChar char="•"/>
+              <a:defRPr sz="1800" kern="1200">
+                <a:solidFill>
+                  <a:schemeClr val="tx1"/>
+                </a:solidFill>
+                <a:latin typeface="+mn-lt"/>
+                <a:ea typeface="+mn-ea"/>
+                <a:cs typeface="+mn-cs"/>
+              </a:defRPr>
+            </a:lvl5pPr>
+            <a:lvl6pPr marL="2514600" indent="-228600" algn="l" defTabSz="914400" rtl="0" eaLnBrk="1" latinLnBrk="0" hangingPunct="1">
+              <a:lnSpc>
+                <a:spcPct val="90000"/>
+              </a:lnSpc>
+              <a:spcBef>
+                <a:spcPts val="500"/>
+              </a:spcBef>
+              <a:buFont typeface="Arial" panose="020B0604020202020204" pitchFamily="34" charset="0"/>
+              <a:buChar char="•"/>
+              <a:defRPr sz="1800" kern="1200">
+                <a:solidFill>
+                  <a:schemeClr val="tx1"/>
+                </a:solidFill>
+                <a:latin typeface="+mn-lt"/>
+                <a:ea typeface="+mn-ea"/>
+                <a:cs typeface="+mn-cs"/>
+              </a:defRPr>
+            </a:lvl6pPr>
+            <a:lvl7pPr marL="2971800" indent="-228600" algn="l" defTabSz="914400" rtl="0" eaLnBrk="1" latinLnBrk="0" hangingPunct="1">
+              <a:lnSpc>
+                <a:spcPct val="90000"/>
+              </a:lnSpc>
+              <a:spcBef>
+                <a:spcPts val="500"/>
+              </a:spcBef>
+              <a:buFont typeface="Arial" panose="020B0604020202020204" pitchFamily="34" charset="0"/>
+              <a:buChar char="•"/>
+              <a:defRPr sz="1800" kern="1200">
+                <a:solidFill>
+                  <a:schemeClr val="tx1"/>
+                </a:solidFill>
+                <a:latin typeface="+mn-lt"/>
+                <a:ea typeface="+mn-ea"/>
+                <a:cs typeface="+mn-cs"/>
+              </a:defRPr>
+            </a:lvl7pPr>
+            <a:lvl8pPr marL="3429000" indent="-228600" algn="l" defTabSz="914400" rtl="0" eaLnBrk="1" latinLnBrk="0" hangingPunct="1">
+              <a:lnSpc>
+                <a:spcPct val="90000"/>
+              </a:lnSpc>
+              <a:spcBef>
+                <a:spcPts val="500"/>
+              </a:spcBef>
+              <a:buFont typeface="Arial" panose="020B0604020202020204" pitchFamily="34" charset="0"/>
+              <a:buChar char="•"/>
+              <a:defRPr sz="1800" kern="1200">
+                <a:solidFill>
+                  <a:schemeClr val="tx1"/>
+                </a:solidFill>
+                <a:latin typeface="+mn-lt"/>
+                <a:ea typeface="+mn-ea"/>
+                <a:cs typeface="+mn-cs"/>
+              </a:defRPr>
+            </a:lvl8pPr>
+            <a:lvl9pPr marL="3886200" indent="-228600" algn="l" defTabSz="914400" rtl="0" eaLnBrk="1" latinLnBrk="0" hangingPunct="1">
+              <a:lnSpc>
+                <a:spcPct val="90000"/>
+              </a:lnSpc>
+              <a:spcBef>
+                <a:spcPts val="500"/>
+              </a:spcBef>
+              <a:buFont typeface="Arial" panose="020B0604020202020204" pitchFamily="34" charset="0"/>
+              <a:buChar char="•"/>
+              <a:defRPr sz="1800" kern="1200">
+                <a:solidFill>
+                  <a:schemeClr val="tx1"/>
+                </a:solidFill>
+                <a:latin typeface="+mn-lt"/>
+                <a:ea typeface="+mn-ea"/>
+                <a:cs typeface="+mn-cs"/>
+              </a:defRPr>
+            </a:lvl9pPr>
+          </a:lstStyle>
+          <a:p>
+            <a:r>
+              <a:rPr lang="fr-FR" dirty="0"/>
+              <a:t>Régime forcé</a:t>
+            </a:r>
+          </a:p>
+        </p:txBody>
+      </p:sp>
+      <p:pic>
+        <p:nvPicPr>
+          <p:cNvPr id="8" name="Image 7">
+            <a:extLst>
+              <a:ext uri="{FF2B5EF4-FFF2-40B4-BE49-F238E27FC236}">
+                <a16:creationId xmlns:a16="http://schemas.microsoft.com/office/drawing/2014/main" id="{A4E0B0FC-CE0D-A9EB-212E-C1E619BE0A13}"/>
+              </a:ext>
+            </a:extLst>
+          </p:cNvPr>
+          <p:cNvPicPr>
+            <a:picLocks noChangeAspect="1"/>
+          </p:cNvPicPr>
+          <p:nvPr/>
+        </p:nvPicPr>
+        <p:blipFill>
+          <a:blip r:embed="rId3"/>
+          <a:stretch>
+            <a:fillRect/>
+          </a:stretch>
+        </p:blipFill>
+        <p:spPr>
+          <a:xfrm>
+            <a:off x="328517" y="3301612"/>
+            <a:ext cx="2769471" cy="2047000"/>
+          </a:xfrm>
+          <a:prstGeom prst="rect">
+            <a:avLst/>
+          </a:prstGeom>
+        </p:spPr>
+      </p:pic>
+      <p:sp>
+        <p:nvSpPr>
+          <p:cNvPr id="9" name="ZoneTexte 8">
+            <a:extLst>
+              <a:ext uri="{FF2B5EF4-FFF2-40B4-BE49-F238E27FC236}">
+                <a16:creationId xmlns:a16="http://schemas.microsoft.com/office/drawing/2014/main" id="{6BCDCD9D-634C-BCB0-09F8-6CF30C3BDE54}"/>
+              </a:ext>
+            </a:extLst>
+          </p:cNvPr>
+          <p:cNvSpPr txBox="1"/>
+          <p:nvPr/>
+        </p:nvSpPr>
+        <p:spPr>
+          <a:xfrm>
+            <a:off x="6965974" y="6172200"/>
+            <a:ext cx="2701765" cy="677108"/>
+          </a:xfrm>
+          <a:prstGeom prst="rect">
+            <a:avLst/>
+          </a:prstGeom>
+          <a:noFill/>
+        </p:spPr>
+        <p:txBody>
+          <a:bodyPr wrap="none" rtlCol="0">
+            <a:spAutoFit/>
+          </a:bodyPr>
+          <a:lstStyle/>
+          <a:p>
+            <a:r>
+              <a:rPr lang="fr-FR" sz="1400" dirty="0">
+                <a:solidFill>
+                  <a:schemeClr val="bg1">
+                    <a:lumMod val="50000"/>
+                  </a:schemeClr>
+                </a:solidFill>
+              </a:rPr>
+              <a:t>Simulation réalisée avec QUCS</a:t>
+            </a:r>
+          </a:p>
+          <a:p>
+            <a:r>
+              <a:rPr lang="fr-FR" sz="1200" i="1" dirty="0" err="1">
+                <a:solidFill>
+                  <a:schemeClr val="bg1">
+                    <a:lumMod val="50000"/>
+                  </a:schemeClr>
+                </a:solidFill>
+              </a:rPr>
+              <a:t>Quite</a:t>
+            </a:r>
+            <a:r>
+              <a:rPr lang="fr-FR" sz="1200" i="1" dirty="0">
+                <a:solidFill>
+                  <a:schemeClr val="bg1">
+                    <a:lumMod val="50000"/>
+                  </a:schemeClr>
+                </a:solidFill>
+              </a:rPr>
+              <a:t> Universal Circuit Simulator </a:t>
+            </a:r>
+          </a:p>
+          <a:p>
+            <a:r>
+              <a:rPr lang="fr-FR" sz="1200" dirty="0">
+                <a:solidFill>
+                  <a:schemeClr val="bg1">
+                    <a:lumMod val="50000"/>
+                  </a:schemeClr>
+                </a:solidFill>
+              </a:rPr>
+              <a:t>https://qucs.sourceforge.net/</a:t>
+            </a:r>
+          </a:p>
+        </p:txBody>
+      </p:sp>
+      <p:pic>
+        <p:nvPicPr>
+          <p:cNvPr id="14" name="Image 13">
+            <a:extLst>
+              <a:ext uri="{FF2B5EF4-FFF2-40B4-BE49-F238E27FC236}">
+                <a16:creationId xmlns:a16="http://schemas.microsoft.com/office/drawing/2014/main" id="{2FDCFF5A-806B-9692-596D-5648BED2782B}"/>
+              </a:ext>
+            </a:extLst>
+          </p:cNvPr>
+          <p:cNvPicPr>
+            <a:picLocks noChangeAspect="1"/>
+          </p:cNvPicPr>
+          <p:nvPr/>
+        </p:nvPicPr>
+        <p:blipFill>
+          <a:blip r:embed="rId4"/>
+          <a:stretch>
+            <a:fillRect/>
+          </a:stretch>
+        </p:blipFill>
+        <p:spPr>
+          <a:xfrm>
+            <a:off x="3097988" y="3559277"/>
+            <a:ext cx="2481228" cy="2154033"/>
+          </a:xfrm>
+          <a:prstGeom prst="rect">
+            <a:avLst/>
+          </a:prstGeom>
+        </p:spPr>
+      </p:pic>
+      <p:pic>
+        <p:nvPicPr>
+          <p:cNvPr id="16" name="Image 15">
+            <a:extLst>
+              <a:ext uri="{FF2B5EF4-FFF2-40B4-BE49-F238E27FC236}">
+                <a16:creationId xmlns:a16="http://schemas.microsoft.com/office/drawing/2014/main" id="{18F28466-5ECE-9BCA-6EF8-4E583CB625D9}"/>
+              </a:ext>
+            </a:extLst>
+          </p:cNvPr>
+          <p:cNvPicPr>
+            <a:picLocks noChangeAspect="1"/>
+          </p:cNvPicPr>
+          <p:nvPr/>
+        </p:nvPicPr>
+        <p:blipFill>
+          <a:blip r:embed="rId5"/>
+          <a:stretch>
+            <a:fillRect/>
+          </a:stretch>
+        </p:blipFill>
+        <p:spPr>
+          <a:xfrm>
+            <a:off x="6199632" y="3217503"/>
+            <a:ext cx="2908324" cy="2215219"/>
+          </a:xfrm>
+          <a:prstGeom prst="rect">
+            <a:avLst/>
+          </a:prstGeom>
+        </p:spPr>
+      </p:pic>
+      <p:pic>
+        <p:nvPicPr>
+          <p:cNvPr id="18" name="Image 17">
+            <a:extLst>
+              <a:ext uri="{FF2B5EF4-FFF2-40B4-BE49-F238E27FC236}">
+                <a16:creationId xmlns:a16="http://schemas.microsoft.com/office/drawing/2014/main" id="{ACFD463E-3FFF-538A-FE9C-7EA95F231907}"/>
+              </a:ext>
+            </a:extLst>
+          </p:cNvPr>
+          <p:cNvPicPr>
+            <a:picLocks noChangeAspect="1"/>
+          </p:cNvPicPr>
+          <p:nvPr/>
+        </p:nvPicPr>
+        <p:blipFill>
+          <a:blip r:embed="rId6"/>
+          <a:stretch>
+            <a:fillRect/>
+          </a:stretch>
+        </p:blipFill>
+        <p:spPr>
+          <a:xfrm>
+            <a:off x="9254260" y="3559277"/>
+            <a:ext cx="2578483" cy="2164379"/>
+          </a:xfrm>
+          <a:prstGeom prst="rect">
+            <a:avLst/>
+          </a:prstGeom>
+        </p:spPr>
+      </p:pic>
+    </p:spTree>
+    <p:extLst>
+      <p:ext uri="{BB962C8B-B14F-4D97-AF65-F5344CB8AC3E}">
+        <p14:creationId xmlns:p14="http://schemas.microsoft.com/office/powerpoint/2010/main" val="3621226438"/>
+      </p:ext>
+    </p:extLst>
+  </p:cSld>
+  <p:clrMapOvr>
+    <a:masterClrMapping/>
+  </p:clrMapOvr>
+</p:sld>
+</file>
+
+<file path=ppt/slides/slide8.xml><?xml version="1.0" encoding="utf-8"?>
+<p:sld xmlns:a="http://schemas.openxmlformats.org/drawingml/2006/main" xmlns:r="http://schemas.openxmlformats.org/officeDocument/2006/relationships" xmlns:p="http://schemas.openxmlformats.org/presentationml/2006/main">
+  <p:cSld>
+    <p:spTree>
+      <p:nvGrpSpPr>
+        <p:cNvPr id="1" name=""/>
+        <p:cNvGrpSpPr/>
+        <p:nvPr/>
+      </p:nvGrpSpPr>
+      <p:grpSpPr>
+        <a:xfrm>
+          <a:off x="0" y="0"/>
+          <a:ext cx="0" cy="0"/>
+          <a:chOff x="0" y="0"/>
+          <a:chExt cx="0" cy="0"/>
+        </a:xfrm>
+      </p:grpSpPr>
+      <p:pic>
+        <p:nvPicPr>
+          <p:cNvPr id="25" name="Image 24">
+            <a:extLst>
+              <a:ext uri="{FF2B5EF4-FFF2-40B4-BE49-F238E27FC236}">
+                <a16:creationId xmlns:a16="http://schemas.microsoft.com/office/drawing/2014/main" id="{2E996E6E-3B8E-A6E6-5C72-3939B7FA2C56}"/>
+              </a:ext>
+            </a:extLst>
+          </p:cNvPr>
+          <p:cNvPicPr>
+            <a:picLocks noChangeAspect="1"/>
+          </p:cNvPicPr>
+          <p:nvPr/>
+        </p:nvPicPr>
+        <p:blipFill>
+          <a:blip r:embed="rId3"/>
+          <a:stretch>
+            <a:fillRect/>
+          </a:stretch>
+        </p:blipFill>
+        <p:spPr>
+          <a:xfrm>
+            <a:off x="6762473" y="3326930"/>
+            <a:ext cx="3757609" cy="2781223"/>
+          </a:xfrm>
+          <a:prstGeom prst="rect">
+            <a:avLst/>
+          </a:prstGeom>
+        </p:spPr>
+      </p:pic>
+      <p:pic>
+        <p:nvPicPr>
+          <p:cNvPr id="14" name="Image 13">
+            <a:extLst>
+              <a:ext uri="{FF2B5EF4-FFF2-40B4-BE49-F238E27FC236}">
+                <a16:creationId xmlns:a16="http://schemas.microsoft.com/office/drawing/2014/main" id="{006BA913-088D-DED7-7B8C-324DA1E0AF07}"/>
+              </a:ext>
+            </a:extLst>
+          </p:cNvPr>
+          <p:cNvPicPr>
+            <a:picLocks noChangeAspect="1"/>
+          </p:cNvPicPr>
+          <p:nvPr/>
+        </p:nvPicPr>
+        <p:blipFill>
+          <a:blip r:embed="rId4"/>
+          <a:stretch>
+            <a:fillRect/>
+          </a:stretch>
+        </p:blipFill>
+        <p:spPr>
+          <a:xfrm>
+            <a:off x="1217008" y="3326930"/>
+            <a:ext cx="3956106" cy="2671823"/>
+          </a:xfrm>
+          <a:prstGeom prst="rect">
+            <a:avLst/>
+          </a:prstGeom>
+        </p:spPr>
+      </p:pic>
+      <p:sp>
+        <p:nvSpPr>
+          <p:cNvPr id="2" name="Titre 1">
+            <a:extLst>
+              <a:ext uri="{FF2B5EF4-FFF2-40B4-BE49-F238E27FC236}">
+                <a16:creationId xmlns:a16="http://schemas.microsoft.com/office/drawing/2014/main" id="{90162AE8-C1B0-5C56-8313-DEE494F38273}"/>
+              </a:ext>
+            </a:extLst>
+          </p:cNvPr>
+          <p:cNvSpPr>
+            <a:spLocks noGrp="1"/>
+          </p:cNvSpPr>
+          <p:nvPr>
+            <p:ph type="title"/>
+          </p:nvPr>
+        </p:nvSpPr>
+        <p:spPr/>
+        <p:txBody>
+          <a:bodyPr>
+            <a:normAutofit/>
+          </a:bodyPr>
+          <a:lstStyle/>
+          <a:p>
+            <a:r>
+              <a:rPr lang="fr-FR" dirty="0"/>
+              <a:t>Circuits similaires / Ordre 2</a:t>
+            </a:r>
+          </a:p>
+        </p:txBody>
+      </p:sp>
+      <p:sp>
+        <p:nvSpPr>
+          <p:cNvPr id="3" name="Espace réservé du contenu 2">
+            <a:extLst>
+              <a:ext uri="{FF2B5EF4-FFF2-40B4-BE49-F238E27FC236}">
+                <a16:creationId xmlns:a16="http://schemas.microsoft.com/office/drawing/2014/main" id="{E0BBB9DE-019C-C741-F224-494739D4B752}"/>
+              </a:ext>
+            </a:extLst>
+          </p:cNvPr>
+          <p:cNvSpPr>
+            <a:spLocks noGrp="1"/>
+          </p:cNvSpPr>
+          <p:nvPr>
+            <p:ph sz="half" idx="1"/>
+          </p:nvPr>
+        </p:nvSpPr>
+        <p:spPr/>
+        <p:txBody>
+          <a:bodyPr/>
+          <a:lstStyle/>
+          <a:p>
+            <a:r>
+              <a:rPr lang="fr-FR" dirty="0"/>
+              <a:t>Circuit RLC</a:t>
+            </a:r>
+          </a:p>
+        </p:txBody>
+      </p:sp>
+      <p:sp>
+        <p:nvSpPr>
+          <p:cNvPr id="4" name="Espace réservé du numéro de diapositive 3">
+            <a:extLst>
+              <a:ext uri="{FF2B5EF4-FFF2-40B4-BE49-F238E27FC236}">
+                <a16:creationId xmlns:a16="http://schemas.microsoft.com/office/drawing/2014/main" id="{F08CDEFC-50F0-4C47-46AC-D28A2807E4F8}"/>
+              </a:ext>
+            </a:extLst>
+          </p:cNvPr>
+          <p:cNvSpPr>
+            <a:spLocks noGrp="1"/>
+          </p:cNvSpPr>
+          <p:nvPr>
+            <p:ph type="sldNum" sz="quarter" idx="12"/>
+          </p:nvPr>
+        </p:nvSpPr>
+        <p:spPr/>
+        <p:txBody>
+          <a:bodyPr/>
+          <a:lstStyle/>
+          <a:p>
+            <a:fld id="{B2DC25EE-239B-4C5F-AAD1-255A7D5F1EE2}" type="slidenum">
+              <a:rPr lang="en-US" smtClean="0"/>
+              <a:t>8</a:t>
+            </a:fld>
+            <a:endParaRPr lang="en-US"/>
+          </a:p>
+        </p:txBody>
+      </p:sp>
+      <p:cxnSp>
+        <p:nvCxnSpPr>
+          <p:cNvPr id="7" name="Connecteur droit avec flèche 6">
+            <a:extLst>
+              <a:ext uri="{FF2B5EF4-FFF2-40B4-BE49-F238E27FC236}">
+                <a16:creationId xmlns:a16="http://schemas.microsoft.com/office/drawing/2014/main" id="{BDC5F1B6-045B-093E-19A5-135162B7C574}"/>
+              </a:ext>
+            </a:extLst>
+          </p:cNvPr>
+          <p:cNvCxnSpPr/>
+          <p:nvPr/>
+        </p:nvCxnSpPr>
+        <p:spPr>
+          <a:xfrm flipV="1">
+            <a:off x="4948418" y="3832632"/>
+            <a:ext cx="0" cy="1437968"/>
+          </a:xfrm>
+          <a:prstGeom prst="straightConnector1">
+            <a:avLst/>
+          </a:prstGeom>
+          <a:ln w="47625">
+            <a:tailEnd type="arrow"/>
+          </a:ln>
+        </p:spPr>
+        <p:style>
+          <a:lnRef idx="1">
+            <a:schemeClr val="accent1"/>
+          </a:lnRef>
+          <a:fillRef idx="0">
+            <a:schemeClr val="accent1"/>
+          </a:fillRef>
+          <a:effectRef idx="0">
+            <a:schemeClr val="accent1"/>
+          </a:effectRef>
+          <a:fontRef idx="minor">
+            <a:schemeClr val="tx1"/>
+          </a:fontRef>
+        </p:style>
+      </p:cxnSp>
+      <p:sp>
+        <p:nvSpPr>
+          <p:cNvPr id="8" name="ZoneTexte 7">
+            <a:extLst>
+              <a:ext uri="{FF2B5EF4-FFF2-40B4-BE49-F238E27FC236}">
+                <a16:creationId xmlns:a16="http://schemas.microsoft.com/office/drawing/2014/main" id="{EE2BEBA4-55A1-8CF5-029E-71BA82FB8BAF}"/>
+              </a:ext>
+            </a:extLst>
+          </p:cNvPr>
+          <p:cNvSpPr txBox="1"/>
+          <p:nvPr/>
+        </p:nvSpPr>
+        <p:spPr>
+          <a:xfrm>
+            <a:off x="5031253" y="4340155"/>
+            <a:ext cx="648929" cy="461665"/>
+          </a:xfrm>
+          <a:prstGeom prst="rect">
+            <a:avLst/>
+          </a:prstGeom>
+          <a:noFill/>
+        </p:spPr>
+        <p:txBody>
+          <a:bodyPr wrap="square" rtlCol="0">
+            <a:spAutoFit/>
+          </a:bodyPr>
+          <a:lstStyle/>
+          <a:p>
+            <a:r>
+              <a:rPr lang="fr-FR" sz="2400" b="1" dirty="0">
+                <a:solidFill>
+                  <a:srgbClr val="C696A7"/>
+                </a:solidFill>
+              </a:rPr>
+              <a:t>V</a:t>
+            </a:r>
+            <a:r>
+              <a:rPr lang="fr-FR" sz="2400" b="1" baseline="-25000" dirty="0">
+                <a:solidFill>
+                  <a:srgbClr val="C696A7"/>
+                </a:solidFill>
+              </a:rPr>
+              <a:t>S</a:t>
+            </a:r>
+          </a:p>
+        </p:txBody>
+      </p:sp>
+      <p:cxnSp>
+        <p:nvCxnSpPr>
+          <p:cNvPr id="9" name="Connecteur droit avec flèche 8">
+            <a:extLst>
+              <a:ext uri="{FF2B5EF4-FFF2-40B4-BE49-F238E27FC236}">
+                <a16:creationId xmlns:a16="http://schemas.microsoft.com/office/drawing/2014/main" id="{27001290-E162-2201-C9A7-979D5C276403}"/>
+              </a:ext>
+            </a:extLst>
+          </p:cNvPr>
+          <p:cNvCxnSpPr>
+            <a:cxnSpLocks/>
+          </p:cNvCxnSpPr>
+          <p:nvPr/>
+        </p:nvCxnSpPr>
+        <p:spPr>
+          <a:xfrm>
+            <a:off x="3031125" y="3844855"/>
+            <a:ext cx="103239" cy="0"/>
+          </a:xfrm>
+          <a:prstGeom prst="straightConnector1">
+            <a:avLst/>
+          </a:prstGeom>
+          <a:ln w="47625">
+            <a:tailEnd type="arrow"/>
+          </a:ln>
+        </p:spPr>
+        <p:style>
+          <a:lnRef idx="1">
+            <a:schemeClr val="accent1"/>
+          </a:lnRef>
+          <a:fillRef idx="0">
+            <a:schemeClr val="accent1"/>
+          </a:fillRef>
+          <a:effectRef idx="0">
+            <a:schemeClr val="accent1"/>
+          </a:effectRef>
+          <a:fontRef idx="minor">
+            <a:schemeClr val="tx1"/>
+          </a:fontRef>
+        </p:style>
+      </p:cxnSp>
+      <p:sp>
+        <p:nvSpPr>
+          <p:cNvPr id="11" name="ZoneTexte 10">
+            <a:extLst>
+              <a:ext uri="{FF2B5EF4-FFF2-40B4-BE49-F238E27FC236}">
+                <a16:creationId xmlns:a16="http://schemas.microsoft.com/office/drawing/2014/main" id="{AD4813BF-00D4-9EA0-64D2-FC901A5431CC}"/>
+              </a:ext>
+            </a:extLst>
+          </p:cNvPr>
+          <p:cNvSpPr txBox="1"/>
+          <p:nvPr/>
+        </p:nvSpPr>
+        <p:spPr>
+          <a:xfrm>
+            <a:off x="3053579" y="3326930"/>
+            <a:ext cx="615657" cy="461665"/>
+          </a:xfrm>
+          <a:prstGeom prst="rect">
+            <a:avLst/>
+          </a:prstGeom>
+          <a:noFill/>
+        </p:spPr>
+        <p:txBody>
+          <a:bodyPr wrap="square" rtlCol="0">
+            <a:spAutoFit/>
+          </a:bodyPr>
+          <a:lstStyle/>
+          <a:p>
+            <a:r>
+              <a:rPr lang="fr-FR" sz="2400" b="1" dirty="0">
+                <a:solidFill>
+                  <a:srgbClr val="C696A7"/>
+                </a:solidFill>
+              </a:rPr>
+              <a:t>i</a:t>
+            </a:r>
+            <a:endParaRPr lang="fr-FR" sz="2400" b="1" baseline="-25000" dirty="0">
+              <a:solidFill>
+                <a:srgbClr val="C696A7"/>
+              </a:solidFill>
+            </a:endParaRPr>
+          </a:p>
+        </p:txBody>
+      </p:sp>
+      <p:pic>
+        <p:nvPicPr>
+          <p:cNvPr id="5" name="Image 4" descr="Une image contenant texte&#10;&#10;Description générée automatiquement">
+            <a:extLst>
+              <a:ext uri="{FF2B5EF4-FFF2-40B4-BE49-F238E27FC236}">
+                <a16:creationId xmlns:a16="http://schemas.microsoft.com/office/drawing/2014/main" id="{66D2630B-81F4-A4EB-21BA-8B90CF30BD92}"/>
+              </a:ext>
+            </a:extLst>
+          </p:cNvPr>
+          <p:cNvPicPr>
+            <a:picLocks noChangeAspect="1"/>
+          </p:cNvPicPr>
+          <p:nvPr/>
+        </p:nvPicPr>
+        <p:blipFill>
+          <a:blip r:embed="rId5">
+            <a:extLst>
+              <a:ext uri="{28A0092B-C50C-407E-A947-70E740481C1C}">
+                <a14:useLocalDpi xmlns:a14="http://schemas.microsoft.com/office/drawing/2010/main" val="0"/>
+              </a:ext>
+            </a:extLst>
+          </a:blip>
+          <a:stretch>
+            <a:fillRect/>
+          </a:stretch>
+        </p:blipFill>
+        <p:spPr>
+          <a:xfrm>
+            <a:off x="202922" y="5934456"/>
+            <a:ext cx="1825291" cy="749808"/>
+          </a:xfrm>
+          <a:prstGeom prst="rect">
+            <a:avLst/>
+          </a:prstGeom>
+        </p:spPr>
+      </p:pic>
+      <p:sp>
+        <p:nvSpPr>
+          <p:cNvPr id="6" name="Espace réservé du contenu 2">
+            <a:extLst>
+              <a:ext uri="{FF2B5EF4-FFF2-40B4-BE49-F238E27FC236}">
+                <a16:creationId xmlns:a16="http://schemas.microsoft.com/office/drawing/2014/main" id="{73664354-8372-3422-7152-C897538DE53B}"/>
+              </a:ext>
+            </a:extLst>
+          </p:cNvPr>
+          <p:cNvSpPr txBox="1">
+            <a:spLocks/>
+          </p:cNvSpPr>
+          <p:nvPr/>
+        </p:nvSpPr>
+        <p:spPr>
+          <a:xfrm>
+            <a:off x="6500779" y="2478024"/>
+            <a:ext cx="4937760" cy="3694176"/>
+          </a:xfrm>
+          <a:prstGeom prst="rect">
+            <a:avLst/>
+          </a:prstGeom>
+        </p:spPr>
+        <p:txBody>
+          <a:bodyPr vert="horz" lIns="91440" tIns="45720" rIns="91440" bIns="45720" rtlCol="0">
+            <a:normAutofit/>
+          </a:bodyPr>
+          <a:lstStyle>
+            <a:lvl1pPr marL="228600" indent="-228600" algn="l" defTabSz="914400" rtl="0" eaLnBrk="1" latinLnBrk="0" hangingPunct="1">
+              <a:lnSpc>
+                <a:spcPct val="110000"/>
+              </a:lnSpc>
+              <a:spcBef>
+                <a:spcPts val="1000"/>
+              </a:spcBef>
+              <a:buFont typeface="Arial" panose="020B0604020202020204" pitchFamily="34" charset="0"/>
+              <a:buChar char="•"/>
+              <a:defRPr sz="2800" kern="1200">
+                <a:solidFill>
+                  <a:schemeClr val="tx1"/>
+                </a:solidFill>
+                <a:latin typeface="+mn-lt"/>
+                <a:ea typeface="+mn-ea"/>
+                <a:cs typeface="+mn-cs"/>
+              </a:defRPr>
+            </a:lvl1pPr>
+            <a:lvl2pPr marL="685800" indent="-228600" algn="l" defTabSz="914400" rtl="0" eaLnBrk="1" latinLnBrk="0" hangingPunct="1">
+              <a:lnSpc>
+                <a:spcPct val="110000"/>
+              </a:lnSpc>
+              <a:spcBef>
+                <a:spcPts val="500"/>
+              </a:spcBef>
+              <a:buFont typeface="Arial" panose="020B0604020202020204" pitchFamily="34" charset="0"/>
+              <a:buChar char="•"/>
+              <a:defRPr sz="2400" kern="1200">
+                <a:solidFill>
+                  <a:schemeClr val="tx1"/>
+                </a:solidFill>
+                <a:latin typeface="+mn-lt"/>
+                <a:ea typeface="+mn-ea"/>
+                <a:cs typeface="+mn-cs"/>
+              </a:defRPr>
+            </a:lvl2pPr>
+            <a:lvl3pPr marL="1143000" indent="-228600" algn="l" defTabSz="914400" rtl="0" eaLnBrk="1" latinLnBrk="0" hangingPunct="1">
+              <a:lnSpc>
+                <a:spcPct val="110000"/>
+              </a:lnSpc>
+              <a:spcBef>
+                <a:spcPts val="500"/>
+              </a:spcBef>
+              <a:buFont typeface="Arial" panose="020B0604020202020204" pitchFamily="34" charset="0"/>
+              <a:buChar char="•"/>
+              <a:defRPr sz="2000" kern="1200">
+                <a:solidFill>
+                  <a:schemeClr val="tx1"/>
+                </a:solidFill>
+                <a:latin typeface="+mn-lt"/>
+                <a:ea typeface="+mn-ea"/>
+                <a:cs typeface="+mn-cs"/>
+              </a:defRPr>
+            </a:lvl3pPr>
+            <a:lvl4pPr marL="1600200" indent="-228600" algn="l" defTabSz="914400" rtl="0" eaLnBrk="1" latinLnBrk="0" hangingPunct="1">
+              <a:lnSpc>
+                <a:spcPct val="110000"/>
+              </a:lnSpc>
+              <a:spcBef>
+                <a:spcPts val="500"/>
+              </a:spcBef>
+              <a:buFont typeface="Arial" panose="020B0604020202020204" pitchFamily="34" charset="0"/>
+              <a:buChar char="•"/>
+              <a:defRPr sz="1800" kern="1200">
+                <a:solidFill>
+                  <a:schemeClr val="tx1"/>
+                </a:solidFill>
+                <a:latin typeface="+mn-lt"/>
+                <a:ea typeface="+mn-ea"/>
+                <a:cs typeface="+mn-cs"/>
+              </a:defRPr>
+            </a:lvl4pPr>
+            <a:lvl5pPr marL="2057400" indent="-228600" algn="l" defTabSz="914400" rtl="0" eaLnBrk="1" latinLnBrk="0" hangingPunct="1">
+              <a:lnSpc>
+                <a:spcPct val="110000"/>
+              </a:lnSpc>
+              <a:spcBef>
+                <a:spcPts val="500"/>
+              </a:spcBef>
+              <a:buFont typeface="Arial" panose="020B0604020202020204" pitchFamily="34" charset="0"/>
+              <a:buChar char="•"/>
+              <a:defRPr sz="1800" kern="1200">
+                <a:solidFill>
+                  <a:schemeClr val="tx1"/>
+                </a:solidFill>
+                <a:latin typeface="+mn-lt"/>
+                <a:ea typeface="+mn-ea"/>
+                <a:cs typeface="+mn-cs"/>
+              </a:defRPr>
+            </a:lvl5pPr>
+            <a:lvl6pPr marL="2514600" indent="-228600" algn="l" defTabSz="914400" rtl="0" eaLnBrk="1" latinLnBrk="0" hangingPunct="1">
+              <a:lnSpc>
+                <a:spcPct val="90000"/>
+              </a:lnSpc>
+              <a:spcBef>
+                <a:spcPts val="500"/>
+              </a:spcBef>
+              <a:buFont typeface="Arial" panose="020B0604020202020204" pitchFamily="34" charset="0"/>
+              <a:buChar char="•"/>
+              <a:defRPr sz="1800" kern="1200">
+                <a:solidFill>
+                  <a:schemeClr val="tx1"/>
+                </a:solidFill>
+                <a:latin typeface="+mn-lt"/>
+                <a:ea typeface="+mn-ea"/>
+                <a:cs typeface="+mn-cs"/>
+              </a:defRPr>
+            </a:lvl6pPr>
+            <a:lvl7pPr marL="2971800" indent="-228600" algn="l" defTabSz="914400" rtl="0" eaLnBrk="1" latinLnBrk="0" hangingPunct="1">
+              <a:lnSpc>
+                <a:spcPct val="90000"/>
+              </a:lnSpc>
+              <a:spcBef>
+                <a:spcPts val="500"/>
+              </a:spcBef>
+              <a:buFont typeface="Arial" panose="020B0604020202020204" pitchFamily="34" charset="0"/>
+              <a:buChar char="•"/>
+              <a:defRPr sz="1800" kern="1200">
+                <a:solidFill>
+                  <a:schemeClr val="tx1"/>
+                </a:solidFill>
+                <a:latin typeface="+mn-lt"/>
+                <a:ea typeface="+mn-ea"/>
+                <a:cs typeface="+mn-cs"/>
+              </a:defRPr>
+            </a:lvl7pPr>
+            <a:lvl8pPr marL="3429000" indent="-228600" algn="l" defTabSz="914400" rtl="0" eaLnBrk="1" latinLnBrk="0" hangingPunct="1">
+              <a:lnSpc>
+                <a:spcPct val="90000"/>
+              </a:lnSpc>
+              <a:spcBef>
+                <a:spcPts val="500"/>
+              </a:spcBef>
+              <a:buFont typeface="Arial" panose="020B0604020202020204" pitchFamily="34" charset="0"/>
+              <a:buChar char="•"/>
+              <a:defRPr sz="1800" kern="1200">
+                <a:solidFill>
+                  <a:schemeClr val="tx1"/>
+                </a:solidFill>
+                <a:latin typeface="+mn-lt"/>
+                <a:ea typeface="+mn-ea"/>
+                <a:cs typeface="+mn-cs"/>
+              </a:defRPr>
+            </a:lvl8pPr>
+            <a:lvl9pPr marL="3886200" indent="-228600" algn="l" defTabSz="914400" rtl="0" eaLnBrk="1" latinLnBrk="0" hangingPunct="1">
+              <a:lnSpc>
+                <a:spcPct val="90000"/>
+              </a:lnSpc>
+              <a:spcBef>
+                <a:spcPts val="500"/>
+              </a:spcBef>
+              <a:buFont typeface="Arial" panose="020B0604020202020204" pitchFamily="34" charset="0"/>
+              <a:buChar char="•"/>
+              <a:defRPr sz="1800" kern="1200">
+                <a:solidFill>
+                  <a:schemeClr val="tx1"/>
+                </a:solidFill>
+                <a:latin typeface="+mn-lt"/>
+                <a:ea typeface="+mn-ea"/>
+                <a:cs typeface="+mn-cs"/>
+              </a:defRPr>
+            </a:lvl9pPr>
+          </a:lstStyle>
+          <a:p>
+            <a:r>
+              <a:rPr lang="fr-FR" dirty="0"/>
+              <a:t>Régime forcé</a:t>
+            </a:r>
+          </a:p>
+        </p:txBody>
+      </p:sp>
+    </p:spTree>
+    <p:extLst>
+      <p:ext uri="{BB962C8B-B14F-4D97-AF65-F5344CB8AC3E}">
+        <p14:creationId xmlns:p14="http://schemas.microsoft.com/office/powerpoint/2010/main" val="3407578763"/>
+      </p:ext>
+    </p:extLst>
+  </p:cSld>
+  <p:clrMapOvr>
+    <a:masterClrMapping/>
+  </p:clrMapOvr>
+</p:sld>
+</file>
+
+<file path=ppt/slides/slide9.xml><?xml version="1.0" encoding="utf-8"?>
+<p:sld xmlns:a="http://schemas.openxmlformats.org/drawingml/2006/main" xmlns:r="http://schemas.openxmlformats.org/officeDocument/2006/relationships" xmlns:p="http://schemas.openxmlformats.org/presentationml/2006/main">
+  <p:cSld>
+    <p:bg>
+      <p:bgPr>
+        <a:solidFill>
+          <a:schemeClr val="accent4">
+            <a:lumMod val="60000"/>
+            <a:lumOff val="40000"/>
+          </a:schemeClr>
+        </a:solidFill>
+        <a:effectLst/>
+      </p:bgPr>
+    </p:bg>
+    <p:spTree>
+      <p:nvGrpSpPr>
+        <p:cNvPr id="1" name=""/>
+        <p:cNvGrpSpPr/>
+        <p:nvPr/>
+      </p:nvGrpSpPr>
+      <p:grpSpPr>
+        <a:xfrm>
+          <a:off x="0" y="0"/>
+          <a:ext cx="0" cy="0"/>
+          <a:chOff x="0" y="0"/>
+          <a:chExt cx="0" cy="0"/>
+        </a:xfrm>
+      </p:grpSpPr>
+      <p:sp>
+        <p:nvSpPr>
+          <p:cNvPr id="17" name="Espace réservé du contenu 2">
+            <a:extLst>
+              <a:ext uri="{FF2B5EF4-FFF2-40B4-BE49-F238E27FC236}">
+                <a16:creationId xmlns:a16="http://schemas.microsoft.com/office/drawing/2014/main" id="{AE61A058-77AE-BE3E-4B30-F5C59DFB1AC5}"/>
+              </a:ext>
+            </a:extLst>
+          </p:cNvPr>
+          <p:cNvSpPr>
+            <a:spLocks noGrp="1"/>
+          </p:cNvSpPr>
+          <p:nvPr>
+            <p:ph sz="half" idx="1"/>
+          </p:nvPr>
+        </p:nvSpPr>
+        <p:spPr>
+          <a:xfrm>
+            <a:off x="1115567" y="2478024"/>
+            <a:ext cx="10574987" cy="3694176"/>
+          </a:xfrm>
+        </p:spPr>
+        <p:txBody>
+          <a:bodyPr>
+            <a:normAutofit/>
+          </a:bodyPr>
+          <a:lstStyle/>
+          <a:p>
+            <a:r>
+              <a:rPr lang="fr-FR" sz="2000" b="1" i="1" dirty="0"/>
+              <a:t>Tutoriel QUCS </a:t>
+            </a:r>
+            <a:r>
+              <a:rPr lang="fr-FR" sz="2000" i="1" dirty="0"/>
+              <a:t>– </a:t>
+            </a:r>
+            <a:r>
+              <a:rPr lang="fr-FR" sz="2000" i="1" dirty="0" err="1"/>
+              <a:t>LEnsE</a:t>
+            </a:r>
+            <a:br>
+              <a:rPr lang="fr-FR" sz="2000" dirty="0"/>
+            </a:br>
+            <a:r>
+              <a:rPr lang="fr-FR" sz="2000" dirty="0">
+                <a:hlinkClick r:id="rId2"/>
+              </a:rPr>
+              <a:t>https://lense.institutoptique.fr/qucs</a:t>
+            </a:r>
+            <a:r>
+              <a:rPr lang="fr-FR" sz="2000" dirty="0"/>
+              <a:t> </a:t>
+            </a:r>
+          </a:p>
+          <a:p>
+            <a:endParaRPr lang="fr-FR" sz="2000" dirty="0"/>
+          </a:p>
+        </p:txBody>
+      </p:sp>
+      <p:sp>
+        <p:nvSpPr>
+          <p:cNvPr id="4" name="Espace réservé du numéro de diapositive 3">
+            <a:extLst>
+              <a:ext uri="{FF2B5EF4-FFF2-40B4-BE49-F238E27FC236}">
+                <a16:creationId xmlns:a16="http://schemas.microsoft.com/office/drawing/2014/main" id="{F08CDEFC-50F0-4C47-46AC-D28A2807E4F8}"/>
+              </a:ext>
+            </a:extLst>
+          </p:cNvPr>
+          <p:cNvSpPr>
+            <a:spLocks noGrp="1"/>
+          </p:cNvSpPr>
+          <p:nvPr>
+            <p:ph type="sldNum" sz="quarter" idx="12"/>
+          </p:nvPr>
+        </p:nvSpPr>
+        <p:spPr/>
+        <p:txBody>
+          <a:bodyPr/>
+          <a:lstStyle/>
+          <a:p>
+            <a:fld id="{B2DC25EE-239B-4C5F-AAD1-255A7D5F1EE2}" type="slidenum">
+              <a:rPr lang="en-US" smtClean="0"/>
+              <a:t>9</a:t>
+            </a:fld>
+            <a:endParaRPr lang="en-US" dirty="0"/>
+          </a:p>
+        </p:txBody>
+      </p:sp>
+      <p:pic>
+        <p:nvPicPr>
+          <p:cNvPr id="5" name="Image 4" descr="Une image contenant texte&#10;&#10;Description générée automatiquement">
+            <a:extLst>
+              <a:ext uri="{FF2B5EF4-FFF2-40B4-BE49-F238E27FC236}">
+                <a16:creationId xmlns:a16="http://schemas.microsoft.com/office/drawing/2014/main" id="{66D2630B-81F4-A4EB-21BA-8B90CF30BD92}"/>
+              </a:ext>
+            </a:extLst>
+          </p:cNvPr>
+          <p:cNvPicPr>
+            <a:picLocks noChangeAspect="1"/>
+          </p:cNvPicPr>
+          <p:nvPr/>
+        </p:nvPicPr>
+        <p:blipFill>
+          <a:blip r:embed="rId3">
+            <a:extLst>
+              <a:ext uri="{28A0092B-C50C-407E-A947-70E740481C1C}">
+                <a14:useLocalDpi xmlns:a14="http://schemas.microsoft.com/office/drawing/2010/main" val="0"/>
+              </a:ext>
+            </a:extLst>
+          </a:blip>
+          <a:stretch>
+            <a:fillRect/>
+          </a:stretch>
+        </p:blipFill>
+        <p:spPr>
+          <a:xfrm>
+            <a:off x="1220001" y="298088"/>
+            <a:ext cx="3385849" cy="1390867"/>
+          </a:xfrm>
+          <a:prstGeom prst="rect">
+            <a:avLst/>
+          </a:prstGeom>
+        </p:spPr>
+      </p:pic>
+      <p:sp>
+        <p:nvSpPr>
+          <p:cNvPr id="8" name="ZoneTexte 7">
+            <a:extLst>
+              <a:ext uri="{FF2B5EF4-FFF2-40B4-BE49-F238E27FC236}">
+                <a16:creationId xmlns:a16="http://schemas.microsoft.com/office/drawing/2014/main" id="{0C76D9A3-0317-D2DA-4063-0C82F10FBF82}"/>
+              </a:ext>
+            </a:extLst>
+          </p:cNvPr>
+          <p:cNvSpPr txBox="1"/>
+          <p:nvPr/>
+        </p:nvSpPr>
+        <p:spPr>
+          <a:xfrm>
+            <a:off x="7816516" y="216818"/>
+            <a:ext cx="3687548" cy="307777"/>
+          </a:xfrm>
+          <a:prstGeom prst="rect">
+            <a:avLst/>
+          </a:prstGeom>
+          <a:noFill/>
+        </p:spPr>
+        <p:txBody>
+          <a:bodyPr wrap="none" rtlCol="0">
+            <a:spAutoFit/>
+          </a:bodyPr>
+          <a:lstStyle/>
+          <a:p>
+            <a:r>
+              <a:rPr lang="fr-FR" sz="1400" dirty="0"/>
+              <a:t>Document rédigé par Julien VILLEMEJANE</a:t>
+            </a:r>
+          </a:p>
+        </p:txBody>
+      </p:sp>
+      <p:sp>
+        <p:nvSpPr>
+          <p:cNvPr id="9" name="ZoneTexte 8">
+            <a:extLst>
+              <a:ext uri="{FF2B5EF4-FFF2-40B4-BE49-F238E27FC236}">
+                <a16:creationId xmlns:a16="http://schemas.microsoft.com/office/drawing/2014/main" id="{D8EB7AA9-0549-7EC6-53DC-E54B71929AAA}"/>
+              </a:ext>
+            </a:extLst>
+          </p:cNvPr>
+          <p:cNvSpPr txBox="1"/>
+          <p:nvPr/>
+        </p:nvSpPr>
+        <p:spPr>
+          <a:xfrm>
+            <a:off x="8540496" y="495065"/>
+            <a:ext cx="2963568" cy="307777"/>
+          </a:xfrm>
+          <a:prstGeom prst="rect">
+            <a:avLst/>
+          </a:prstGeom>
+          <a:noFill/>
+        </p:spPr>
+        <p:txBody>
+          <a:bodyPr wrap="none" rtlCol="0">
+            <a:spAutoFit/>
+          </a:bodyPr>
+          <a:lstStyle/>
+          <a:p>
+            <a:r>
+              <a:rPr lang="fr-FR" sz="1400" dirty="0" err="1"/>
+              <a:t>LEnsE</a:t>
+            </a:r>
+            <a:r>
+              <a:rPr lang="fr-FR" sz="1400" dirty="0"/>
+              <a:t> / Institut d’Optique / France</a:t>
+            </a:r>
+          </a:p>
+        </p:txBody>
+      </p:sp>
+      <p:sp>
+        <p:nvSpPr>
+          <p:cNvPr id="10" name="ZoneTexte 9">
+            <a:extLst>
+              <a:ext uri="{FF2B5EF4-FFF2-40B4-BE49-F238E27FC236}">
+                <a16:creationId xmlns:a16="http://schemas.microsoft.com/office/drawing/2014/main" id="{DD63F07E-350C-98D6-74C9-5AF9CE8BF7A5}"/>
+              </a:ext>
+            </a:extLst>
+          </p:cNvPr>
+          <p:cNvSpPr txBox="1"/>
+          <p:nvPr/>
+        </p:nvSpPr>
+        <p:spPr>
+          <a:xfrm>
+            <a:off x="8904250" y="993522"/>
+            <a:ext cx="2599814" cy="307777"/>
+          </a:xfrm>
+          <a:prstGeom prst="rect">
+            <a:avLst/>
+          </a:prstGeom>
+          <a:noFill/>
+        </p:spPr>
+        <p:txBody>
+          <a:bodyPr wrap="none" rtlCol="0">
+            <a:spAutoFit/>
+          </a:bodyPr>
+          <a:lstStyle/>
+          <a:p>
+            <a:r>
+              <a:rPr lang="fr-FR" sz="1400" dirty="0">
+                <a:hlinkClick r:id="rId4"/>
+              </a:rPr>
+              <a:t>http://lense.institutoptique.fr/</a:t>
+            </a:r>
+            <a:endParaRPr lang="fr-FR" sz="1400" dirty="0"/>
+          </a:p>
+        </p:txBody>
+      </p:sp>
+      <p:cxnSp>
+        <p:nvCxnSpPr>
+          <p:cNvPr id="11" name="Connecteur droit 10">
+            <a:extLst>
+              <a:ext uri="{FF2B5EF4-FFF2-40B4-BE49-F238E27FC236}">
+                <a16:creationId xmlns:a16="http://schemas.microsoft.com/office/drawing/2014/main" id="{F4265E24-A10F-EE45-5E0C-6A87B4BC3196}"/>
+              </a:ext>
+            </a:extLst>
+          </p:cNvPr>
+          <p:cNvCxnSpPr/>
+          <p:nvPr/>
+        </p:nvCxnSpPr>
+        <p:spPr>
+          <a:xfrm>
+            <a:off x="6820524" y="126185"/>
+            <a:ext cx="0" cy="1850749"/>
+          </a:xfrm>
+          <a:prstGeom prst="line">
+            <a:avLst/>
+          </a:prstGeom>
+          <a:ln w="25400">
+            <a:solidFill>
+              <a:srgbClr val="C4CBB2"/>
+            </a:solidFill>
+            <a:prstDash val="dashDot"/>
+          </a:ln>
+        </p:spPr>
+        <p:style>
+          <a:lnRef idx="1">
+            <a:schemeClr val="accent1"/>
+          </a:lnRef>
+          <a:fillRef idx="0">
+            <a:schemeClr val="accent1"/>
+          </a:fillRef>
+          <a:effectRef idx="0">
+            <a:schemeClr val="accent1"/>
+          </a:effectRef>
+          <a:fontRef idx="minor">
+            <a:schemeClr val="tx1"/>
+          </a:fontRef>
+        </p:style>
+      </p:cxnSp>
+      <p:sp>
+        <p:nvSpPr>
+          <p:cNvPr id="13" name="ZoneTexte 12">
+            <a:extLst>
+              <a:ext uri="{FF2B5EF4-FFF2-40B4-BE49-F238E27FC236}">
+                <a16:creationId xmlns:a16="http://schemas.microsoft.com/office/drawing/2014/main" id="{839A3042-2313-5F87-02C8-628C3197E1D5}"/>
+              </a:ext>
+            </a:extLst>
+          </p:cNvPr>
+          <p:cNvSpPr txBox="1"/>
+          <p:nvPr/>
+        </p:nvSpPr>
+        <p:spPr>
+          <a:xfrm>
+            <a:off x="9660290" y="1633897"/>
+            <a:ext cx="1854290" cy="307777"/>
+          </a:xfrm>
+          <a:prstGeom prst="rect">
+            <a:avLst/>
+          </a:prstGeom>
+          <a:noFill/>
+        </p:spPr>
+        <p:txBody>
+          <a:bodyPr wrap="none" rtlCol="0">
+            <a:spAutoFit/>
+          </a:bodyPr>
+          <a:lstStyle/>
+          <a:p>
+            <a:r>
+              <a:rPr lang="fr-FR" sz="1400" dirty="0"/>
+              <a:t>Création : Avril 2023</a:t>
+            </a:r>
+          </a:p>
+        </p:txBody>
+      </p:sp>
+    </p:spTree>
+    <p:extLst>
+      <p:ext uri="{BB962C8B-B14F-4D97-AF65-F5344CB8AC3E}">
+        <p14:creationId xmlns:p14="http://schemas.microsoft.com/office/powerpoint/2010/main" val="699773079"/>
       </p:ext>
     </p:extLst>
   </p:cSld>
